--- a/Mukul Sharma  AICTE PPT.pptx
+++ b/Mukul Sharma  AICTE PPT.pptx
@@ -4483,6 +4483,17 @@
               </a:rPr>
               <a:t>Name &amp; Department : </a:t>
             </a:r>
+            <a:endParaRPr lang="en-US" sz="2000" b="1" dirty="0" smtClean="0">
+              <a:solidFill>
+                <a:schemeClr val="accent1">
+                  <a:lumMod val="75000"/>
+                </a:schemeClr>
+              </a:solidFill>
+              <a:latin typeface="Arial"/>
+              <a:cs typeface="Arial"/>
+            </a:endParaRPr>
+          </a:p>
+          <a:p>
             <a:r>
               <a:rPr lang="en-US" sz="2000" b="1" dirty="0" smtClean="0">
                 <a:solidFill>
@@ -4493,7 +4504,81 @@
                 <a:latin typeface="Arial"/>
                 <a:cs typeface="Arial"/>
               </a:rPr>
-              <a:t>MAHARAJA AGRASEN INSTITITUTE OF TECHNOLOGY (BTECH COMPUTER SCIENCE AND TECHNOLOGY)</a:t>
+              <a:t>MAHARAJA </a:t>
+            </a:r>
+            <a:r>
+              <a:rPr lang="en-US" sz="2000" b="1" dirty="0" smtClean="0">
+                <a:solidFill>
+                  <a:schemeClr val="accent1">
+                    <a:lumMod val="75000"/>
+                  </a:schemeClr>
+                </a:solidFill>
+                <a:latin typeface="Arial"/>
+                <a:cs typeface="Arial"/>
+              </a:rPr>
+              <a:t>AGRASEN </a:t>
+            </a:r>
+            <a:r>
+              <a:rPr lang="en-US" sz="2000" b="1" dirty="0" smtClean="0">
+                <a:solidFill>
+                  <a:schemeClr val="accent1">
+                    <a:lumMod val="75000"/>
+                  </a:schemeClr>
+                </a:solidFill>
+                <a:latin typeface="Arial"/>
+                <a:cs typeface="Arial"/>
+              </a:rPr>
+              <a:t>INSTITUTE </a:t>
+            </a:r>
+            <a:r>
+              <a:rPr lang="en-US" sz="2000" b="1" dirty="0" smtClean="0">
+                <a:solidFill>
+                  <a:schemeClr val="accent1">
+                    <a:lumMod val="75000"/>
+                  </a:schemeClr>
+                </a:solidFill>
+                <a:latin typeface="Arial"/>
+                <a:cs typeface="Arial"/>
+              </a:rPr>
+              <a:t>OF </a:t>
+            </a:r>
+            <a:r>
+              <a:rPr lang="en-US" sz="2000" b="1" dirty="0" smtClean="0">
+                <a:solidFill>
+                  <a:schemeClr val="accent1">
+                    <a:lumMod val="75000"/>
+                  </a:schemeClr>
+                </a:solidFill>
+                <a:latin typeface="Arial"/>
+                <a:cs typeface="Arial"/>
+              </a:rPr>
+              <a:t>TECHNOLOGY</a:t>
+            </a:r>
+          </a:p>
+          <a:p>
+            <a:r>
+              <a:rPr lang="en-US" sz="2000" b="1" dirty="0" smtClean="0">
+                <a:solidFill>
+                  <a:schemeClr val="accent1">
+                    <a:lumMod val="75000"/>
+                  </a:schemeClr>
+                </a:solidFill>
+                <a:latin typeface="Arial"/>
+                <a:cs typeface="Arial"/>
+              </a:rPr>
+              <a:t>(</a:t>
+            </a:r>
+            <a:r>
+              <a:rPr lang="en-US" sz="2000" b="1" dirty="0" smtClean="0">
+                <a:solidFill>
+                  <a:schemeClr val="accent1">
+                    <a:lumMod val="75000"/>
+                  </a:schemeClr>
+                </a:solidFill>
+                <a:latin typeface="Arial"/>
+                <a:cs typeface="Arial"/>
+              </a:rPr>
+              <a:t>BTECH COMPUTER SCIENCE AND TECHNOLOGY)</a:t>
             </a:r>
             <a:endParaRPr lang="en-US" sz="2000" b="1" dirty="0">
               <a:solidFill>
@@ -4802,9 +4887,12 @@
           <a:lstStyle/>
           <a:p>
             <a:r>
-              <a:rPr lang="en-IN" dirty="0"/>
-              <a:t>Make sure that there should be readme file</a:t>
-            </a:r>
+              <a:rPr lang="en-IN" dirty="0">
+                <a:hlinkClick r:id="rId3"/>
+              </a:rPr>
+              <a:t>https://github.com/mukul-sharma-tech/AICTE-Internship-Mukul-Sharma</a:t>
+            </a:r>
+            <a:endParaRPr lang="en-IN" dirty="0"/>
           </a:p>
         </p:txBody>
       </p:sp>
